--- a/BIKE SERVICE CENTRE MANAGEMENT SYSTEM.pptx
+++ b/BIKE SERVICE CENTRE MANAGEMENT SYSTEM.pptx
@@ -10778,7 +10778,7 @@
         <p:spPr>
           <a:xfrm>
             <a:off x="3263153" y="1410355"/>
-            <a:ext cx="8543365" cy="5447645"/>
+            <a:ext cx="8543365" cy="5078313"/>
           </a:xfrm>
           <a:prstGeom prst="rect">
             <a:avLst/>
@@ -10791,6 +10791,10 @@
           </a:bodyPr>
           <a:lstStyle/>
           <a:p>
+            <a:pPr algn="ctr">
+              <a:buFont typeface="Arial" panose="020B0604020202020204" pitchFamily="34" charset="0"/>
+              <a:buChar char="•"/>
+            </a:pPr>
             <a:r>
               <a:rPr lang="en-GB" sz="2200" dirty="0">
                 <a:solidFill>
@@ -10801,8 +10805,133 @@
                 <a:ea typeface="Times New Roman" panose="02020603050405020304" pitchFamily="18" charset="0"/>
                 <a:cs typeface="Mangal" panose="02040503050203030202" pitchFamily="18" charset="0"/>
               </a:rPr>
-              <a:t>              To tackle the inefficiencies of manual record-keeping and non-digitized operations in Nepal's bike service centres, the proposed solution is the implementation of the Bike Service Centre Management System (BSCMS). This digital platform introduces streamlined processes, including digital record-keeping, efficient appointment scheduling, automated customer interactions, and performance analytics. By embracing BSCMS, service centres can transition to a more modern and efficient operational model, eliminating errors associated with paper-based methods, reducing wait times, enhancing customer communication, and leveraging data-driven insights for continuous improvement. This solution not only addresses the current challenges but also propels bike service centres into a more competitive and technologically advanced era.</a:t>
-            </a:r>
+              <a:t>  </a:t>
+            </a:r>
+            <a:r>
+              <a:rPr lang="en-US" sz="2400" b="0" i="0" dirty="0">
+                <a:solidFill>
+                  <a:schemeClr val="bg1"/>
+                </a:solidFill>
+                <a:effectLst/>
+                <a:latin typeface="Söhne"/>
+              </a:rPr>
+              <a:t>BSCMS streamlines bike service center operations.</a:t>
+            </a:r>
+          </a:p>
+          <a:p>
+            <a:pPr algn="ctr">
+              <a:buFont typeface="Arial" panose="020B0604020202020204" pitchFamily="34" charset="0"/>
+              <a:buChar char="•"/>
+            </a:pPr>
+            <a:r>
+              <a:rPr lang="en-US" sz="2400" b="0" i="0" dirty="0">
+                <a:solidFill>
+                  <a:schemeClr val="bg1"/>
+                </a:solidFill>
+                <a:effectLst/>
+                <a:latin typeface="Söhne"/>
+              </a:rPr>
+              <a:t>  Focus on user-friendly interfaces and efficient processes.</a:t>
+            </a:r>
+          </a:p>
+          <a:p>
+            <a:pPr algn="ctr">
+              <a:buFont typeface="Arial" panose="020B0604020202020204" pitchFamily="34" charset="0"/>
+              <a:buChar char="•"/>
+            </a:pPr>
+            <a:r>
+              <a:rPr lang="en-US" sz="2400" b="0" i="0" dirty="0">
+                <a:solidFill>
+                  <a:schemeClr val="bg1"/>
+                </a:solidFill>
+                <a:effectLst/>
+                <a:latin typeface="Söhne"/>
+              </a:rPr>
+              <a:t>  Easy service request creation with essential details.</a:t>
+            </a:r>
+            <a:endParaRPr lang="en-US" sz="2400" dirty="0">
+              <a:solidFill>
+                <a:schemeClr val="bg1"/>
+              </a:solidFill>
+              <a:latin typeface="Söhne"/>
+            </a:endParaRPr>
+          </a:p>
+          <a:p>
+            <a:pPr algn="ctr">
+              <a:buFont typeface="Arial" panose="020B0604020202020204" pitchFamily="34" charset="0"/>
+              <a:buChar char="•"/>
+            </a:pPr>
+            <a:r>
+              <a:rPr lang="en-US" sz="2400" b="0" i="0" dirty="0">
+                <a:solidFill>
+                  <a:schemeClr val="bg1"/>
+                </a:solidFill>
+                <a:effectLst/>
+                <a:latin typeface="Söhne"/>
+              </a:rPr>
+              <a:t>  Seamless online registration process, eliminating paperwork.</a:t>
+            </a:r>
+          </a:p>
+          <a:p>
+            <a:pPr algn="ctr">
+              <a:buFont typeface="Arial" panose="020B0604020202020204" pitchFamily="34" charset="0"/>
+              <a:buChar char="•"/>
+            </a:pPr>
+            <a:r>
+              <a:rPr lang="en-US" sz="2400" b="0" i="0" dirty="0">
+                <a:solidFill>
+                  <a:schemeClr val="bg1"/>
+                </a:solidFill>
+                <a:effectLst/>
+                <a:latin typeface="Söhne"/>
+              </a:rPr>
+              <a:t>  Centralized hub for organizers to manage events and track            metrics.</a:t>
+            </a:r>
+          </a:p>
+          <a:p>
+            <a:pPr algn="ctr">
+              <a:buFont typeface="Arial" panose="020B0604020202020204" pitchFamily="34" charset="0"/>
+              <a:buChar char="•"/>
+            </a:pPr>
+            <a:r>
+              <a:rPr lang="en-US" sz="2400" b="0" i="0" dirty="0">
+                <a:solidFill>
+                  <a:schemeClr val="bg1"/>
+                </a:solidFill>
+                <a:effectLst/>
+                <a:latin typeface="Söhne"/>
+              </a:rPr>
+              <a:t>BSCMS aims for efficiency and organization in bike service management.</a:t>
+            </a:r>
+          </a:p>
+          <a:p>
+            <a:pPr algn="ctr">
+              <a:buFont typeface="Arial" panose="020B0604020202020204" pitchFamily="34" charset="0"/>
+              <a:buChar char="•"/>
+            </a:pPr>
+            <a:r>
+              <a:rPr lang="en-US" sz="2400" b="0" i="0" dirty="0">
+                <a:solidFill>
+                  <a:schemeClr val="bg1"/>
+                </a:solidFill>
+                <a:effectLst/>
+                <a:latin typeface="Söhne"/>
+              </a:rPr>
+              <a:t>Modern technologies ensure reliability and user satisfaction.</a:t>
+            </a:r>
+          </a:p>
+          <a:p>
+            <a:pPr algn="l">
+              <a:buFont typeface="Arial" panose="020B0604020202020204" pitchFamily="34" charset="0"/>
+              <a:buChar char="•"/>
+            </a:pPr>
+            <a:endParaRPr lang="en-US" sz="2400" b="0" i="0" dirty="0">
+              <a:solidFill>
+                <a:srgbClr val="D1D5DB"/>
+              </a:solidFill>
+              <a:effectLst/>
+              <a:latin typeface="Söhne"/>
+            </a:endParaRPr>
           </a:p>
           <a:p>
             <a:r>
@@ -10815,7 +10944,7 @@
                 <a:ea typeface="Calibri" panose="020F0502020204030204" pitchFamily="34" charset="0"/>
                 <a:cs typeface="Mangal" panose="02040503050203030202" pitchFamily="18" charset="0"/>
               </a:rPr>
-              <a:t>               Incorporating modern technologies such as Java/PHP for backend</a:t>
+              <a:t>Incorporating modern technologies such as Java/PHP for backend</a:t>
             </a:r>
           </a:p>
           <a:p>
@@ -12077,6 +12206,15 @@
 </file>
 
 <file path=customXml/item1.xml><?xml version="1.0" encoding="utf-8"?>
+<?mso-contentType ?>
+<FormTemplates xmlns="http://schemas.microsoft.com/sharepoint/v3/contenttype/forms">
+  <Display>DocumentLibraryForm</Display>
+  <Edit>DocumentLibraryForm</Edit>
+  <New>DocumentLibraryForm</New>
+</FormTemplates>
+</file>
+
+<file path=customXml/item2.xml><?xml version="1.0" encoding="utf-8"?>
 <p:properties xmlns:p="http://schemas.microsoft.com/office/2006/metadata/properties" xmlns:xsi="http://www.w3.org/2001/XMLSchema-instance" xmlns:pc="http://schemas.microsoft.com/office/infopath/2007/PartnerControls">
   <documentManagement>
     <_ip_UnifiedCompliancePolicyUIAction xmlns="http://schemas.microsoft.com/sharepoint/v3" xsi:nil="true"/>
@@ -12094,15 +12232,6 @@
     <Background xmlns="71af3243-3dd4-4a8d-8c0d-dd76da1f02a5">false</Background>
   </documentManagement>
 </p:properties>
-</file>
-
-<file path=customXml/item2.xml><?xml version="1.0" encoding="utf-8"?>
-<?mso-contentType ?>
-<FormTemplates xmlns="http://schemas.microsoft.com/sharepoint/v3/contenttype/forms">
-  <Display>DocumentLibraryForm</Display>
-  <Edit>DocumentLibraryForm</Edit>
-  <New>DocumentLibraryForm</New>
-</FormTemplates>
 </file>
 
 <file path=customXml/item3.xml><?xml version="1.0" encoding="utf-8"?>
@@ -12418,6 +12547,14 @@
 </file>
 
 <file path=customXml/itemProps1.xml><?xml version="1.0" encoding="utf-8"?>
+<ds:datastoreItem xmlns:ds="http://schemas.openxmlformats.org/officeDocument/2006/customXml" ds:itemID="{BD5826B4-4DD2-4A9B-8D6D-E91CF9C2316C}">
+  <ds:schemaRefs>
+    <ds:schemaRef ds:uri="http://schemas.microsoft.com/sharepoint/v3/contenttype/forms"/>
+  </ds:schemaRefs>
+</ds:datastoreItem>
+</file>
+
+<file path=customXml/itemProps2.xml><?xml version="1.0" encoding="utf-8"?>
 <ds:datastoreItem xmlns:ds="http://schemas.openxmlformats.org/officeDocument/2006/customXml" ds:itemID="{4CC7F809-A434-4A8D-A127-1C50C2DB3890}">
   <ds:schemaRefs>
     <ds:schemaRef ds:uri="http://schemas.microsoft.com/office/2006/metadata/properties"/>
@@ -12425,14 +12562,6 @@
     <ds:schemaRef ds:uri="http://schemas.microsoft.com/sharepoint/v3"/>
     <ds:schemaRef ds:uri="71af3243-3dd4-4a8d-8c0d-dd76da1f02a5"/>
     <ds:schemaRef ds:uri="230e9df3-be65-4c73-a93b-d1236ebd677e"/>
-  </ds:schemaRefs>
-</ds:datastoreItem>
-</file>
-
-<file path=customXml/itemProps2.xml><?xml version="1.0" encoding="utf-8"?>
-<ds:datastoreItem xmlns:ds="http://schemas.openxmlformats.org/officeDocument/2006/customXml" ds:itemID="{BD5826B4-4DD2-4A9B-8D6D-E91CF9C2316C}">
-  <ds:schemaRefs>
-    <ds:schemaRef ds:uri="http://schemas.microsoft.com/sharepoint/v3/contenttype/forms"/>
   </ds:schemaRefs>
 </ds:datastoreItem>
 </file>
